--- a/FinalTask.pptx
+++ b/FinalTask.pptx
@@ -360,7 +360,7 @@
           <a:p>
             <a:fld id="{9184DA70-C731-4C70-880D-CCD4705E623C}" type="datetime1">
               <a:rPr lang="en-US" smtClean="0"/>
-              <a:t>2/5/2021</a:t>
+              <a:t>3/6/2021</a:t>
             </a:fld>
             <a:endParaRPr lang="en-US" dirty="0"/>
           </a:p>
@@ -548,7 +548,7 @@
           <a:p>
             <a:fld id="{4BE1D723-8F53-4F53-90B0-1982A396982E}" type="datetime1">
               <a:rPr lang="en-US" smtClean="0"/>
-              <a:t>2/5/2021</a:t>
+              <a:t>3/6/2021</a:t>
             </a:fld>
             <a:endParaRPr lang="en-US" dirty="0"/>
           </a:p>
@@ -921,7 +921,7 @@
           <a:p>
             <a:fld id="{97669AF7-7BEB-44E4-9852-375E34362B5B}" type="datetime1">
               <a:rPr lang="en-US" smtClean="0"/>
-              <a:t>2/5/2021</a:t>
+              <a:t>3/6/2021</a:t>
             </a:fld>
             <a:endParaRPr lang="en-US" dirty="0"/>
           </a:p>
@@ -1176,7 +1176,7 @@
           <a:p>
             <a:fld id="{BAAAC38D-0552-4C82-B593-E6124DFADBE2}" type="datetime1">
               <a:rPr lang="en-US" smtClean="0"/>
-              <a:t>2/5/2021</a:t>
+              <a:t>3/6/2021</a:t>
             </a:fld>
             <a:endParaRPr lang="en-US" dirty="0"/>
           </a:p>
@@ -1573,7 +1573,7 @@
           <a:p>
             <a:fld id="{D9DF0F1C-5577-4ACB-BB62-DF8F3C494C7E}" type="datetime1">
               <a:rPr lang="en-US" smtClean="0"/>
-              <a:t>2/5/2021</a:t>
+              <a:t>3/6/2021</a:t>
             </a:fld>
             <a:endParaRPr lang="en-US" dirty="0"/>
           </a:p>
@@ -1709,7 +1709,7 @@
           <a:p>
             <a:fld id="{1775B394-D9F9-4F0C-B15D-605F45CB9E9F}" type="datetime1">
               <a:rPr lang="en-US" smtClean="0"/>
-              <a:t>2/5/2021</a:t>
+              <a:t>3/6/2021</a:t>
             </a:fld>
             <a:endParaRPr lang="en-US" dirty="0"/>
           </a:p>
@@ -1866,7 +1866,7 @@
           <a:p>
             <a:fld id="{39667345-2558-425A-8533-9BFDBCE15005}" type="datetime1">
               <a:rPr lang="en-US" smtClean="0"/>
-              <a:t>2/5/2021</a:t>
+              <a:t>3/6/2021</a:t>
             </a:fld>
             <a:endParaRPr lang="en-US" dirty="0"/>
           </a:p>
@@ -2195,7 +2195,7 @@
           <a:p>
             <a:fld id="{92BEA474-078D-4E9B-9B14-09A87B19DC46}" type="datetime1">
               <a:rPr lang="en-US" smtClean="0"/>
-              <a:t>2/5/2021</a:t>
+              <a:t>3/6/2021</a:t>
             </a:fld>
             <a:endParaRPr lang="en-US" dirty="0"/>
           </a:p>
@@ -2545,7 +2545,7 @@
           <a:p>
             <a:fld id="{4907D986-8816-4272-A432-0437A28A9828}" type="datetime1">
               <a:rPr lang="en-US" smtClean="0"/>
-              <a:t>2/5/2021</a:t>
+              <a:t>3/6/2021</a:t>
             </a:fld>
             <a:endParaRPr lang="en-US" dirty="0"/>
           </a:p>
@@ -2806,7 +2806,7 @@
           <a:p>
             <a:fld id="{62D6E202-B606-4609-B914-27C9371A1F6D}" type="datetime1">
               <a:rPr lang="en-US" smtClean="0"/>
-              <a:t>2/5/2021</a:t>
+              <a:t>3/6/2021</a:t>
             </a:fld>
             <a:endParaRPr lang="en-US" dirty="0"/>
           </a:p>
@@ -5937,7 +5937,104 @@
           <a:bodyPr/>
           <a:lstStyle/>
           <a:p>
-            <a:endParaRPr lang="id-ID"/>
+            <a:pPr algn="ctr"/>
+            <a:r>
+              <a:rPr lang="en-US" dirty="0" err="1"/>
+              <a:t>Sistem</a:t>
+            </a:r>
+            <a:r>
+              <a:rPr lang="en-US" dirty="0"/>
+              <a:t> </a:t>
+            </a:r>
+            <a:r>
+              <a:rPr lang="en-US" dirty="0" err="1"/>
+              <a:t>ini</a:t>
+            </a:r>
+            <a:r>
+              <a:rPr lang="en-US" dirty="0"/>
+              <a:t> </a:t>
+            </a:r>
+            <a:r>
+              <a:rPr lang="en-US" dirty="0" err="1"/>
+              <a:t>menggunakan</a:t>
+            </a:r>
+            <a:r>
+              <a:rPr lang="en-US" dirty="0"/>
+              <a:t> web service, API yang </a:t>
+            </a:r>
+            <a:r>
+              <a:rPr lang="en-US" dirty="0" err="1"/>
+              <a:t>digunakan</a:t>
+            </a:r>
+            <a:r>
+              <a:rPr lang="en-US" dirty="0"/>
+              <a:t> </a:t>
+            </a:r>
+            <a:r>
+              <a:rPr lang="en-US" dirty="0" err="1"/>
+              <a:t>yaitu</a:t>
+            </a:r>
+            <a:r>
+              <a:rPr lang="en-US" dirty="0"/>
+              <a:t> method POST. Dimana method POST </a:t>
+            </a:r>
+            <a:r>
+              <a:rPr lang="en-US" dirty="0" err="1"/>
+              <a:t>ini</a:t>
+            </a:r>
+            <a:r>
+              <a:rPr lang="en-US" dirty="0"/>
+              <a:t> </a:t>
+            </a:r>
+            <a:r>
+              <a:rPr lang="en-US" dirty="0" err="1"/>
+              <a:t>digunakan</a:t>
+            </a:r>
+            <a:r>
+              <a:rPr lang="en-US" dirty="0"/>
+              <a:t> </a:t>
+            </a:r>
+            <a:r>
+              <a:rPr lang="en-US" dirty="0" err="1"/>
+              <a:t>untuk</a:t>
+            </a:r>
+            <a:r>
+              <a:rPr lang="en-US" dirty="0"/>
+              <a:t> </a:t>
+            </a:r>
+            <a:r>
+              <a:rPr lang="en-US" dirty="0" err="1"/>
+              <a:t>mengupload</a:t>
+            </a:r>
+            <a:r>
+              <a:rPr lang="en-US" dirty="0"/>
+              <a:t> </a:t>
+            </a:r>
+            <a:r>
+              <a:rPr lang="en-US" dirty="0" err="1"/>
+              <a:t>gambar</a:t>
+            </a:r>
+            <a:r>
+              <a:rPr lang="en-US" dirty="0"/>
+              <a:t> yang </a:t>
+            </a:r>
+            <a:r>
+              <a:rPr lang="en-US" dirty="0" err="1"/>
+              <a:t>akan</a:t>
+            </a:r>
+            <a:r>
+              <a:rPr lang="en-US" dirty="0"/>
+              <a:t> di </a:t>
+            </a:r>
+            <a:r>
+              <a:rPr lang="en-US" dirty="0" err="1"/>
+              <a:t>prediksi</a:t>
+            </a:r>
+            <a:r>
+              <a:rPr lang="en-US" dirty="0"/>
+              <a:t> oleh user.</a:t>
+            </a:r>
+            <a:endParaRPr lang="id-ID" dirty="0"/>
           </a:p>
         </p:txBody>
       </p:sp>
@@ -6281,12 +6378,12 @@
 </file>
 
 <file path=customXml/item1.xml><?xml version="1.0" encoding="utf-8"?>
-<?mso-contentType ?>
-<FormTemplates xmlns="http://schemas.microsoft.com/sharepoint/v3/contenttype/forms">
-  <Display>DocumentLibraryForm</Display>
-  <Edit>DocumentLibraryForm</Edit>
-  <New>DocumentLibraryForm</New>
-</FormTemplates>
+<p:properties xmlns:p="http://schemas.microsoft.com/office/2006/metadata/properties" xmlns:xsi="http://www.w3.org/2001/XMLSchema-instance" xmlns:pc="http://schemas.microsoft.com/office/infopath/2007/PartnerControls">
+  <documentManagement>
+    <Status xmlns="71af3243-3dd4-4a8d-8c0d-dd76da1f02a5">Not started</Status>
+    <MediaServiceKeyPoints xmlns="71af3243-3dd4-4a8d-8c0d-dd76da1f02a5" xsi:nil="true"/>
+  </documentManagement>
+</p:properties>
 </file>
 
 <file path=customXml/item2.xml><?xml version="1.0" encoding="utf-8"?>
@@ -6511,18 +6608,20 @@
 </file>
 
 <file path=customXml/item3.xml><?xml version="1.0" encoding="utf-8"?>
-<p:properties xmlns:p="http://schemas.microsoft.com/office/2006/metadata/properties" xmlns:xsi="http://www.w3.org/2001/XMLSchema-instance" xmlns:pc="http://schemas.microsoft.com/office/infopath/2007/PartnerControls">
-  <documentManagement>
-    <Status xmlns="71af3243-3dd4-4a8d-8c0d-dd76da1f02a5">Not started</Status>
-    <MediaServiceKeyPoints xmlns="71af3243-3dd4-4a8d-8c0d-dd76da1f02a5" xsi:nil="true"/>
-  </documentManagement>
-</p:properties>
+<?mso-contentType ?>
+<FormTemplates xmlns="http://schemas.microsoft.com/sharepoint/v3/contenttype/forms">
+  <Display>DocumentLibraryForm</Display>
+  <Edit>DocumentLibraryForm</Edit>
+  <New>DocumentLibraryForm</New>
+</FormTemplates>
 </file>
 
 <file path=customXml/itemProps1.xml><?xml version="1.0" encoding="utf-8"?>
-<ds:datastoreItem xmlns:ds="http://schemas.openxmlformats.org/officeDocument/2006/customXml" ds:itemID="{2E5ECA37-C458-4BA2-A090-D7A19E07B434}">
+<ds:datastoreItem xmlns:ds="http://schemas.openxmlformats.org/officeDocument/2006/customXml" ds:itemID="{84F503EC-3FFF-4193-A86F-39150E2BAC75}">
   <ds:schemaRefs>
-    <ds:schemaRef ds:uri="http://schemas.microsoft.com/sharepoint/v3/contenttype/forms"/>
+    <ds:schemaRef ds:uri="http://schemas.microsoft.com/office/2006/metadata/properties"/>
+    <ds:schemaRef ds:uri="http://schemas.microsoft.com/office/infopath/2007/PartnerControls"/>
+    <ds:schemaRef ds:uri="71af3243-3dd4-4a8d-8c0d-dd76da1f02a5"/>
   </ds:schemaRefs>
 </ds:datastoreItem>
 </file>
@@ -6547,11 +6646,9 @@
 </file>
 
 <file path=customXml/itemProps3.xml><?xml version="1.0" encoding="utf-8"?>
-<ds:datastoreItem xmlns:ds="http://schemas.openxmlformats.org/officeDocument/2006/customXml" ds:itemID="{84F503EC-3FFF-4193-A86F-39150E2BAC75}">
+<ds:datastoreItem xmlns:ds="http://schemas.openxmlformats.org/officeDocument/2006/customXml" ds:itemID="{2E5ECA37-C458-4BA2-A090-D7A19E07B434}">
   <ds:schemaRefs>
-    <ds:schemaRef ds:uri="http://schemas.microsoft.com/office/2006/metadata/properties"/>
-    <ds:schemaRef ds:uri="http://schemas.microsoft.com/office/infopath/2007/PartnerControls"/>
-    <ds:schemaRef ds:uri="71af3243-3dd4-4a8d-8c0d-dd76da1f02a5"/>
+    <ds:schemaRef ds:uri="http://schemas.microsoft.com/sharepoint/v3/contenttype/forms"/>
   </ds:schemaRefs>
 </ds:datastoreItem>
 </file>